--- a/project_01/docs/leebron_ENGI301_project_01_proposal.pptx
+++ b/project_01/docs/leebron_ENGI301_project_01_proposal.pptx
@@ -21559,7 +21559,7 @@
             <a:tbl>
               <a:tblPr bandRow="1" firstRow="1">
                 <a:noFill/>
-                <a:tableStyleId>{2708E7B0-641D-4A1D-BD02-6BBE612E4EDD}</a:tableStyleId>
+                <a:tableStyleId>{A56497E1-A3B7-4B67-AF88-8036BD322784}</a:tableStyleId>
               </a:tblPr>
               <a:tblGrid>
                 <a:gridCol w="7837725"/>
@@ -21862,7 +21862,7 @@
                       </a:pPr>
                       <a:r>
                         <a:rPr lang="en-US" sz="1800"/>
-                        <a:t>Yes</a:t>
+                        <a:t>No</a:t>
                       </a:r>
                       <a:endParaRPr sz="1800"/>
                     </a:p>
@@ -21909,7 +21909,8 @@
                         <a:buNone/>
                       </a:pPr>
                       <a:r>
-                        <a:t/>
+                        <a:rPr lang="en-US" sz="1800"/>
+                        <a:t>http://tinyurl.com/4mftwc87 , USB Power Bank</a:t>
                       </a:r>
                       <a:endParaRPr sz="1800"/>
                     </a:p>
@@ -21931,7 +21932,8 @@
                         <a:buNone/>
                       </a:pPr>
                       <a:r>
-                        <a:t/>
+                        <a:rPr lang="en-US" sz="1800"/>
+                        <a:t>No</a:t>
                       </a:r>
                       <a:endParaRPr sz="1800"/>
                     </a:p>
@@ -21953,7 +21955,8 @@
                         <a:buNone/>
                       </a:pPr>
                       <a:r>
-                        <a:t/>
+                        <a:rPr lang="en-US" sz="1800"/>
+                        <a:t>13.99</a:t>
                       </a:r>
                       <a:endParaRPr sz="1800"/>
                     </a:p>
@@ -21977,7 +21980,17 @@
                         <a:buNone/>
                       </a:pPr>
                       <a:r>
-                        <a:t/>
+                        <a:rPr lang="en-US" sz="1800" u="sng">
+                          <a:solidFill>
+                            <a:schemeClr val="hlink"/>
+                          </a:solidFill>
+                          <a:hlinkClick r:id="rId6"/>
+                        </a:rPr>
+                        <a:t>http://tinyurl.com/ym94y56s</a:t>
+                      </a:r>
+                      <a:r>
+                        <a:rPr lang="en-US" sz="1800"/>
+                        <a:t>, Black Gloves</a:t>
                       </a:r>
                       <a:endParaRPr sz="1800"/>
                     </a:p>
@@ -21999,7 +22012,8 @@
                         <a:buNone/>
                       </a:pPr>
                       <a:r>
-                        <a:t/>
+                        <a:rPr lang="en-US" sz="1800"/>
+                        <a:t>No</a:t>
                       </a:r>
                       <a:endParaRPr sz="1800"/>
                     </a:p>
@@ -22021,7 +22035,8 @@
                         <a:buNone/>
                       </a:pPr>
                       <a:r>
-                        <a:t/>
+                        <a:rPr lang="en-US" sz="1800"/>
+                        <a:t>7.99</a:t>
                       </a:r>
                       <a:endParaRPr sz="1800"/>
                     </a:p>
@@ -22045,7 +22060,17 @@
                         <a:buNone/>
                       </a:pPr>
                       <a:r>
-                        <a:t/>
+                        <a:rPr lang="en-US" sz="1800" u="sng">
+                          <a:solidFill>
+                            <a:schemeClr val="hlink"/>
+                          </a:solidFill>
+                          <a:hlinkClick r:id="rId7"/>
+                        </a:rPr>
+                        <a:t>http://tinyurl.com/49m3akmc</a:t>
+                      </a:r>
+                      <a:r>
+                        <a:rPr lang="en-US" sz="1800"/>
+                        <a:t>, Yellow Tape </a:t>
                       </a:r>
                       <a:endParaRPr sz="1800"/>
                     </a:p>
@@ -22067,7 +22092,8 @@
                         <a:buNone/>
                       </a:pPr>
                       <a:r>
-                        <a:t/>
+                        <a:rPr lang="en-US" sz="1800"/>
+                        <a:t>No</a:t>
                       </a:r>
                       <a:endParaRPr sz="1800"/>
                     </a:p>
@@ -22089,7 +22115,8 @@
                         <a:buNone/>
                       </a:pPr>
                       <a:r>
-                        <a:t/>
+                        <a:rPr lang="en-US" sz="1800"/>
+                        <a:t>3.99</a:t>
                       </a:r>
                       <a:endParaRPr sz="1800"/>
                     </a:p>
